--- a/Minhaz_Shahadat/Bengali_News_Generation.pptx
+++ b/Minhaz_Shahadat/Bengali_News_Generation.pptx
@@ -8,7 +8,7 @@
     <p:sldId id="256" r:id="rId2"/>
     <p:sldId id="257" r:id="rId3"/>
     <p:sldId id="272" r:id="rId4"/>
-    <p:sldId id="274" r:id="rId5"/>
+    <p:sldId id="275" r:id="rId5"/>
     <p:sldId id="273" r:id="rId6"/>
     <p:sldId id="271" r:id="rId7"/>
   </p:sldIdLst>
@@ -355,7 +355,7 @@
             <a:fld id="{9978B490-2E2F-4BA6-9151-AC77A3AB02CA}" type="datetimeFigureOut">
               <a:rPr lang="en-US" smtClean="0"/>
               <a:pPr/>
-              <a:t>15-Dec-19</a:t>
+              <a:t>22-Dec-19</a:t>
             </a:fld>
             <a:endParaRPr lang="en-US"/>
           </a:p>
@@ -565,7 +565,7 @@
             <a:fld id="{9978B490-2E2F-4BA6-9151-AC77A3AB02CA}" type="datetimeFigureOut">
               <a:rPr lang="en-US" smtClean="0"/>
               <a:pPr/>
-              <a:t>15-Dec-19</a:t>
+              <a:t>22-Dec-19</a:t>
             </a:fld>
             <a:endParaRPr lang="en-US"/>
           </a:p>
@@ -823,7 +823,7 @@
             <a:fld id="{9978B490-2E2F-4BA6-9151-AC77A3AB02CA}" type="datetimeFigureOut">
               <a:rPr lang="en-US" smtClean="0"/>
               <a:pPr/>
-              <a:t>15-Dec-19</a:t>
+              <a:t>22-Dec-19</a:t>
             </a:fld>
             <a:endParaRPr lang="en-US"/>
           </a:p>
@@ -999,7 +999,7 @@
             <a:fld id="{9978B490-2E2F-4BA6-9151-AC77A3AB02CA}" type="datetimeFigureOut">
               <a:rPr lang="en-US" smtClean="0"/>
               <a:pPr/>
-              <a:t>15-Dec-19</a:t>
+              <a:t>22-Dec-19</a:t>
             </a:fld>
             <a:endParaRPr lang="en-US"/>
           </a:p>
@@ -1344,7 +1344,7 @@
             <a:fld id="{9978B490-2E2F-4BA6-9151-AC77A3AB02CA}" type="datetimeFigureOut">
               <a:rPr lang="en-US" smtClean="0"/>
               <a:pPr/>
-              <a:t>15-Dec-19</a:t>
+              <a:t>22-Dec-19</a:t>
             </a:fld>
             <a:endParaRPr lang="en-US"/>
           </a:p>
@@ -1621,7 +1621,7 @@
             <a:fld id="{9978B490-2E2F-4BA6-9151-AC77A3AB02CA}" type="datetimeFigureOut">
               <a:rPr lang="en-US" smtClean="0"/>
               <a:pPr/>
-              <a:t>15-Dec-19</a:t>
+              <a:t>22-Dec-19</a:t>
             </a:fld>
             <a:endParaRPr lang="en-US"/>
           </a:p>
@@ -2002,7 +2002,7 @@
             <a:fld id="{9978B490-2E2F-4BA6-9151-AC77A3AB02CA}" type="datetimeFigureOut">
               <a:rPr lang="en-US" smtClean="0"/>
               <a:pPr/>
-              <a:t>15-Dec-19</a:t>
+              <a:t>22-Dec-19</a:t>
             </a:fld>
             <a:endParaRPr lang="en-US"/>
           </a:p>
@@ -2122,7 +2122,7 @@
             <a:fld id="{9978B490-2E2F-4BA6-9151-AC77A3AB02CA}" type="datetimeFigureOut">
               <a:rPr lang="en-US" smtClean="0"/>
               <a:pPr/>
-              <a:t>15-Dec-19</a:t>
+              <a:t>22-Dec-19</a:t>
             </a:fld>
             <a:endParaRPr lang="en-US"/>
           </a:p>
@@ -2295,7 +2295,7 @@
             <a:fld id="{9978B490-2E2F-4BA6-9151-AC77A3AB02CA}" type="datetimeFigureOut">
               <a:rPr lang="en-US" smtClean="0"/>
               <a:pPr/>
-              <a:t>15-Dec-19</a:t>
+              <a:t>22-Dec-19</a:t>
             </a:fld>
             <a:endParaRPr lang="en-US"/>
           </a:p>
@@ -2651,7 +2651,7 @@
             <a:fld id="{9978B490-2E2F-4BA6-9151-AC77A3AB02CA}" type="datetimeFigureOut">
               <a:rPr lang="en-US" smtClean="0"/>
               <a:pPr/>
-              <a:t>15-Dec-19</a:t>
+              <a:t>22-Dec-19</a:t>
             </a:fld>
             <a:endParaRPr lang="en-US"/>
           </a:p>
@@ -3035,7 +3035,7 @@
             <a:fld id="{9978B490-2E2F-4BA6-9151-AC77A3AB02CA}" type="datetimeFigureOut">
               <a:rPr lang="en-US" smtClean="0"/>
               <a:pPr/>
-              <a:t>15-Dec-19</a:t>
+              <a:t>22-Dec-19</a:t>
             </a:fld>
             <a:endParaRPr lang="en-US"/>
           </a:p>
@@ -3324,7 +3324,7 @@
             <a:fld id="{9978B490-2E2F-4BA6-9151-AC77A3AB02CA}" type="datetimeFigureOut">
               <a:rPr lang="en-US" smtClean="0"/>
               <a:pPr/>
-              <a:t>15-Dec-19</a:t>
+              <a:t>22-Dec-19</a:t>
             </a:fld>
             <a:endParaRPr lang="en-US"/>
           </a:p>
@@ -3988,7 +3988,42 @@
                 <a:latin typeface="Arial" panose="020B0604020202020204" pitchFamily="34" charset="0"/>
                 <a:cs typeface="Arial" panose="020B0604020202020204" pitchFamily="34" charset="0"/>
               </a:rPr>
-              <a:t> (St. ID: 1935 365 650)</a:t>
+              <a:t> (St. ID: 1935 365 650</a:t>
+            </a:r>
+            <a:r>
+              <a:rPr lang="en-US" sz="1600" dirty="0" smtClean="0">
+                <a:latin typeface="Arial" panose="020B0604020202020204" pitchFamily="34" charset="0"/>
+                <a:cs typeface="Arial" panose="020B0604020202020204" pitchFamily="34" charset="0"/>
+              </a:rPr>
+              <a:t>)</a:t>
+            </a:r>
+            <a:endParaRPr lang="en-US" sz="1600" dirty="0">
+              <a:latin typeface="Arial" panose="020B0604020202020204" pitchFamily="34" charset="0"/>
+              <a:cs typeface="Arial" panose="020B0604020202020204" pitchFamily="34" charset="0"/>
+            </a:endParaRPr>
+          </a:p>
+          <a:p>
+            <a:pPr algn="l"/>
+            <a:r>
+              <a:rPr lang="en-US" sz="1600" dirty="0" smtClean="0">
+                <a:latin typeface="Arial" panose="020B0604020202020204" pitchFamily="34" charset="0"/>
+                <a:cs typeface="Arial" panose="020B0604020202020204" pitchFamily="34" charset="0"/>
+              </a:rPr>
+              <a:t>S.M. </a:t>
+            </a:r>
+            <a:r>
+              <a:rPr lang="en-US" sz="1600" dirty="0" err="1" smtClean="0">
+                <a:latin typeface="Arial" panose="020B0604020202020204" pitchFamily="34" charset="0"/>
+                <a:cs typeface="Arial" panose="020B0604020202020204" pitchFamily="34" charset="0"/>
+              </a:rPr>
+              <a:t>Shahadat</a:t>
+            </a:r>
+            <a:r>
+              <a:rPr lang="en-US" sz="1600" dirty="0" smtClean="0">
+                <a:latin typeface="Arial" panose="020B0604020202020204" pitchFamily="34" charset="0"/>
+                <a:cs typeface="Arial" panose="020B0604020202020204" pitchFamily="34" charset="0"/>
+              </a:rPr>
+              <a:t> Hossain (St. id: 1935 190 650)</a:t>
             </a:r>
             <a:endParaRPr lang="en-US" sz="1600" dirty="0">
               <a:latin typeface="Arial" panose="020B0604020202020204" pitchFamily="34" charset="0"/>
@@ -5011,7 +5046,11 @@
           <a:p>
             <a:r>
               <a:rPr lang="en-US" dirty="0" smtClean="0"/>
-              <a:t>Automatic Bengali News Generation – Work Progress</a:t>
+              <a:t>Automatic Bengali News Generation – </a:t>
+            </a:r>
+            <a:r>
+              <a:rPr lang="en-US" dirty="0" smtClean="0"/>
+              <a:t>Submitted Work</a:t>
             </a:r>
             <a:endParaRPr lang="en-US" dirty="0"/>
           </a:p>
@@ -5059,15 +5098,20 @@
             <a:pPr algn="ctr"/>
             <a:r>
               <a:rPr lang="en-US" sz="2400" dirty="0" smtClean="0"/>
-              <a:t>Figure: Bengali Text Generation with LSTM Network</a:t>
+              <a:t>Figure: Bengali Text Generation with </a:t>
+            </a:r>
+            <a:r>
+              <a:rPr lang="en-US" sz="2400" dirty="0" smtClean="0"/>
+              <a:t>Word2Vec &amp; LSTM </a:t>
             </a:r>
           </a:p>
           <a:p>
             <a:pPr algn="ctr"/>
             <a:r>
               <a:rPr lang="en-US" sz="2400" dirty="0" smtClean="0"/>
-              <a:t>Work Progress</a:t>
-            </a:r>
+              <a:t>Network – Submitted Project</a:t>
+            </a:r>
+            <a:endParaRPr lang="en-US" sz="2400" dirty="0" smtClean="0"/>
           </a:p>
         </p:txBody>
       </p:sp>
@@ -5079,10 +5123,10 @@
         </p:nvGrpSpPr>
         <p:grpSpPr>
           <a:xfrm>
-            <a:off x="1372029" y="1906068"/>
-            <a:ext cx="9568569" cy="3799846"/>
-            <a:chOff x="1243241" y="2356833"/>
-            <a:chExt cx="9568569" cy="3799846"/>
+            <a:off x="1372028" y="1906068"/>
+            <a:ext cx="9568570" cy="3799846"/>
+            <a:chOff x="1243240" y="2356833"/>
+            <a:chExt cx="9568570" cy="3799846"/>
           </a:xfrm>
         </p:grpSpPr>
         <p:sp>
@@ -5130,7 +5174,7 @@
                     <a:schemeClr val="tx1"/>
                   </a:solidFill>
                 </a:rPr>
-                <a:t>Cleaned by Hand</a:t>
+                <a:t>Cleaned and Tokenized</a:t>
               </a:r>
               <a:endParaRPr lang="en-US" dirty="0">
                 <a:solidFill>
@@ -5185,7 +5229,7 @@
                     <a:schemeClr val="tx1"/>
                   </a:solidFill>
                 </a:rPr>
-                <a:t>Tokenized &amp; 1 Hot Encoded</a:t>
+                <a:t>Word2Vec Embedded</a:t>
               </a:r>
               <a:endParaRPr lang="en-US" dirty="0">
                 <a:solidFill>
@@ -5203,8 +5247,8 @@
           </p:nvSpPr>
           <p:spPr>
             <a:xfrm>
-              <a:off x="1243241" y="3393106"/>
-              <a:ext cx="1326524" cy="1687323"/>
+              <a:off x="1243240" y="3393106"/>
+              <a:ext cx="1427837" cy="1687323"/>
             </a:xfrm>
             <a:prstGeom prst="flowChartMultidocument">
               <a:avLst/>
@@ -5235,14 +5279,38 @@
             <a:p>
               <a:pPr algn="ctr"/>
               <a:r>
-                <a:rPr lang="en-US" dirty="0" smtClean="0">
+                <a:rPr lang="en-US" sz="1600" dirty="0" smtClean="0">
                   <a:solidFill>
                     <a:schemeClr val="tx1"/>
                   </a:solidFill>
                 </a:rPr>
-                <a:t>A Single Bengali News Article</a:t>
+                <a:t>A </a:t>
               </a:r>
-              <a:endParaRPr lang="en-US" dirty="0">
+              <a:r>
+                <a:rPr lang="en-US" sz="1600" dirty="0" smtClean="0">
+                  <a:solidFill>
+                    <a:schemeClr val="tx1"/>
+                  </a:solidFill>
+                </a:rPr>
+                <a:t>Corpus of 41 </a:t>
+              </a:r>
+              <a:r>
+                <a:rPr lang="en-US" sz="1600" dirty="0" smtClean="0">
+                  <a:solidFill>
+                    <a:schemeClr val="tx1"/>
+                  </a:solidFill>
+                </a:rPr>
+                <a:t>Bengali News </a:t>
+              </a:r>
+              <a:r>
+                <a:rPr lang="en-US" sz="1600" dirty="0" smtClean="0">
+                  <a:solidFill>
+                    <a:schemeClr val="tx1"/>
+                  </a:solidFill>
+                </a:rPr>
+                <a:t>Articles</a:t>
+              </a:r>
+              <a:endParaRPr lang="en-US" sz="1600" dirty="0">
                 <a:solidFill>
                   <a:schemeClr val="tx1"/>
                 </a:solidFill>
@@ -5515,14 +5583,14 @@
             <a:p>
               <a:pPr algn="ctr"/>
               <a:r>
-                <a:rPr lang="en-US" dirty="0" smtClean="0">
+                <a:rPr lang="en-US" sz="1600" dirty="0" smtClean="0">
                   <a:solidFill>
                     <a:schemeClr val="tx1"/>
                   </a:solidFill>
                 </a:rPr>
-                <a:t>Output</a:t>
+                <a:t>Output Sampling</a:t>
               </a:r>
-              <a:endParaRPr lang="en-US" dirty="0">
+              <a:endParaRPr lang="en-US" sz="1600" dirty="0">
                 <a:solidFill>
                   <a:schemeClr val="tx1"/>
                 </a:solidFill>
@@ -5953,1094 +6021,305 @@
           <a:p>
             <a:r>
               <a:rPr lang="en-US" dirty="0" smtClean="0"/>
-              <a:t>Automatic Bengali News Generation – My Target</a:t>
+              <a:t>Automatic Bengali News Generation – </a:t>
+            </a:r>
+            <a:r>
+              <a:rPr lang="en-US" dirty="0" smtClean="0"/>
+              <a:t>Future Target</a:t>
             </a:r>
             <a:endParaRPr lang="en-US" dirty="0"/>
           </a:p>
         </p:txBody>
       </p:sp>
-      <p:sp>
-        <p:nvSpPr>
-          <p:cNvPr id="3" name="Content Placeholder 2"/>
-          <p:cNvSpPr>
-            <a:spLocks noGrp="1"/>
-          </p:cNvSpPr>
-          <p:nvPr>
-            <p:ph idx="1"/>
-          </p:nvPr>
-        </p:nvSpPr>
-        <p:spPr/>
-        <p:txBody>
-          <a:bodyPr>
-            <a:normAutofit fontScale="92500" lnSpcReduction="10000"/>
-          </a:bodyPr>
-          <a:lstStyle/>
-          <a:p>
-            <a:endParaRPr lang="en-US" sz="2400" dirty="0"/>
-          </a:p>
-          <a:p>
-            <a:endParaRPr lang="en-US" sz="2400" dirty="0" smtClean="0"/>
-          </a:p>
-          <a:p>
-            <a:endParaRPr lang="en-US" sz="2400" dirty="0"/>
-          </a:p>
-          <a:p>
-            <a:endParaRPr lang="en-US" sz="2400" dirty="0" smtClean="0"/>
-          </a:p>
-          <a:p>
-            <a:endParaRPr lang="en-US" sz="2400" dirty="0"/>
-          </a:p>
-          <a:p>
-            <a:endParaRPr lang="en-US" sz="2400" dirty="0" smtClean="0"/>
-          </a:p>
-          <a:p>
-            <a:pPr algn="ctr"/>
-            <a:endParaRPr lang="en-US" sz="2400" dirty="0" smtClean="0"/>
-          </a:p>
-          <a:p>
-            <a:pPr algn="ctr"/>
-            <a:r>
-              <a:rPr lang="en-US" sz="2400" dirty="0" smtClean="0"/>
-              <a:t>Figure: Bengali Text Generation with LSTM Network</a:t>
-            </a:r>
-          </a:p>
-          <a:p>
-            <a:pPr algn="ctr"/>
-            <a:r>
-              <a:rPr lang="en-US" sz="2400" dirty="0" smtClean="0"/>
-              <a:t>Future Work</a:t>
-            </a:r>
-          </a:p>
-        </p:txBody>
-      </p:sp>
-      <p:grpSp>
-        <p:nvGrpSpPr>
-          <p:cNvPr id="24" name="Group 23"/>
-          <p:cNvGrpSpPr/>
-          <p:nvPr/>
-        </p:nvGrpSpPr>
-        <p:grpSpPr>
-          <a:xfrm>
-            <a:off x="1372029" y="1906068"/>
-            <a:ext cx="9568569" cy="3799846"/>
-            <a:chOff x="1243241" y="2356833"/>
-            <a:chExt cx="9568569" cy="3799846"/>
-          </a:xfrm>
-        </p:grpSpPr>
-        <p:sp>
-          <p:nvSpPr>
-            <p:cNvPr id="5" name="Can 4"/>
-            <p:cNvSpPr/>
-            <p:nvPr/>
-          </p:nvSpPr>
-          <p:spPr>
-            <a:xfrm>
-              <a:off x="3456689" y="3335821"/>
-              <a:ext cx="1210187" cy="1455313"/>
-            </a:xfrm>
-            <a:prstGeom prst="can">
-              <a:avLst/>
-            </a:prstGeom>
-            <a:solidFill>
-              <a:srgbClr val="92D050"/>
-            </a:solidFill>
-          </p:spPr>
-          <p:style>
-            <a:lnRef idx="2">
-              <a:schemeClr val="accent1">
-                <a:shade val="50000"/>
-              </a:schemeClr>
-            </a:lnRef>
-            <a:fillRef idx="1">
-              <a:schemeClr val="accent1"/>
-            </a:fillRef>
-            <a:effectRef idx="0">
-              <a:schemeClr val="accent1"/>
-            </a:effectRef>
-            <a:fontRef idx="minor">
-              <a:schemeClr val="lt1"/>
-            </a:fontRef>
-          </p:style>
-          <p:txBody>
-            <a:bodyPr rtlCol="0" anchor="ctr"/>
-            <a:lstStyle/>
-            <a:p>
-              <a:pPr algn="ctr"/>
-              <a:r>
-                <a:rPr lang="en-US" strike="sngStrike" dirty="0" smtClean="0">
-                  <a:solidFill>
-                    <a:schemeClr val="tx1"/>
-                  </a:solidFill>
-                </a:rPr>
-                <a:t>Cleaned by Hand</a:t>
-              </a:r>
-              <a:endParaRPr lang="en-US" strike="sngStrike" dirty="0">
-                <a:solidFill>
-                  <a:schemeClr val="tx1"/>
-                </a:solidFill>
-              </a:endParaRPr>
-            </a:p>
-          </p:txBody>
-        </p:sp>
-        <p:sp>
-          <p:nvSpPr>
-            <p:cNvPr id="6" name="Cube 5"/>
-            <p:cNvSpPr/>
-            <p:nvPr/>
-          </p:nvSpPr>
-          <p:spPr>
-            <a:xfrm>
-              <a:off x="5452487" y="3451825"/>
-              <a:ext cx="1495662" cy="1223303"/>
-            </a:xfrm>
-            <a:prstGeom prst="cube">
-              <a:avLst/>
-            </a:prstGeom>
-            <a:solidFill>
-              <a:srgbClr val="92D050"/>
-            </a:solidFill>
-          </p:spPr>
-          <p:style>
-            <a:lnRef idx="2">
-              <a:schemeClr val="accent1">
-                <a:shade val="50000"/>
-              </a:schemeClr>
-            </a:lnRef>
-            <a:fillRef idx="1">
-              <a:schemeClr val="accent1"/>
-            </a:fillRef>
-            <a:effectRef idx="0">
-              <a:schemeClr val="accent1"/>
-            </a:effectRef>
-            <a:fontRef idx="minor">
-              <a:schemeClr val="lt1"/>
-            </a:fontRef>
-          </p:style>
-          <p:txBody>
-            <a:bodyPr rtlCol="0" anchor="ctr"/>
-            <a:lstStyle/>
-            <a:p>
-              <a:pPr algn="ctr"/>
-              <a:r>
-                <a:rPr lang="en-US" dirty="0" smtClean="0">
-                  <a:solidFill>
-                    <a:schemeClr val="tx1"/>
-                  </a:solidFill>
-                </a:rPr>
-                <a:t>Tokenized &amp; </a:t>
-              </a:r>
-              <a:r>
-                <a:rPr lang="en-US" strike="sngStrike" dirty="0" smtClean="0">
-                  <a:solidFill>
-                    <a:schemeClr val="tx1"/>
-                  </a:solidFill>
-                </a:rPr>
-                <a:t>1 Hot Encoded</a:t>
-              </a:r>
-              <a:endParaRPr lang="en-US" strike="sngStrike" dirty="0">
-                <a:solidFill>
-                  <a:schemeClr val="tx1"/>
-                </a:solidFill>
-              </a:endParaRPr>
-            </a:p>
-          </p:txBody>
-        </p:sp>
-        <p:sp>
-          <p:nvSpPr>
-            <p:cNvPr id="7" name="Flowchart: Multidocument 6"/>
-            <p:cNvSpPr/>
-            <p:nvPr/>
-          </p:nvSpPr>
-          <p:spPr>
-            <a:xfrm>
-              <a:off x="1243241" y="3393106"/>
-              <a:ext cx="1326524" cy="1687323"/>
-            </a:xfrm>
-            <a:prstGeom prst="flowChartMultidocument">
-              <a:avLst/>
-            </a:prstGeom>
-            <a:solidFill>
-              <a:srgbClr val="92D050"/>
-            </a:solidFill>
-          </p:spPr>
-          <p:style>
-            <a:lnRef idx="2">
-              <a:schemeClr val="accent1">
-                <a:shade val="50000"/>
-              </a:schemeClr>
-            </a:lnRef>
-            <a:fillRef idx="1">
-              <a:schemeClr val="accent1"/>
-            </a:fillRef>
-            <a:effectRef idx="0">
-              <a:schemeClr val="accent1"/>
-            </a:effectRef>
-            <a:fontRef idx="minor">
-              <a:schemeClr val="lt1"/>
-            </a:fontRef>
-          </p:style>
-          <p:txBody>
-            <a:bodyPr rtlCol="0" anchor="ctr"/>
-            <a:lstStyle/>
-            <a:p>
-              <a:pPr algn="ctr"/>
-              <a:r>
-                <a:rPr lang="en-US" strike="sngStrike" dirty="0" smtClean="0">
-                  <a:solidFill>
-                    <a:schemeClr val="tx1"/>
-                  </a:solidFill>
-                </a:rPr>
-                <a:t>A Single Bengali News Article</a:t>
-              </a:r>
-              <a:endParaRPr lang="en-US" strike="sngStrike" dirty="0">
-                <a:solidFill>
-                  <a:schemeClr val="tx1"/>
-                </a:solidFill>
-              </a:endParaRPr>
-            </a:p>
-          </p:txBody>
-        </p:sp>
-        <p:grpSp>
-          <p:nvGrpSpPr>
-            <p:cNvPr id="12" name="Group 11"/>
-            <p:cNvGrpSpPr/>
-            <p:nvPr/>
-          </p:nvGrpSpPr>
-          <p:grpSpPr>
-            <a:xfrm>
-              <a:off x="7733760" y="3116212"/>
-              <a:ext cx="953036" cy="1894527"/>
-              <a:chOff x="8551572" y="2768958"/>
-              <a:chExt cx="953036" cy="1894527"/>
-            </a:xfrm>
-            <a:solidFill>
-              <a:srgbClr val="92D050"/>
-            </a:solidFill>
-          </p:grpSpPr>
-          <p:sp>
-            <p:nvSpPr>
-              <p:cNvPr id="8" name="Rectangle 7"/>
-              <p:cNvSpPr/>
-              <p:nvPr/>
-            </p:nvSpPr>
-            <p:spPr>
-              <a:xfrm>
-                <a:off x="8551572" y="2768958"/>
-                <a:ext cx="953036" cy="360796"/>
-              </a:xfrm>
-              <a:prstGeom prst="rect">
-                <a:avLst/>
-              </a:prstGeom>
-              <a:grpFill/>
-            </p:spPr>
-            <p:style>
-              <a:lnRef idx="2">
-                <a:schemeClr val="accent1">
-                  <a:shade val="50000"/>
-                </a:schemeClr>
-              </a:lnRef>
-              <a:fillRef idx="1">
-                <a:schemeClr val="accent1"/>
-              </a:fillRef>
-              <a:effectRef idx="0">
-                <a:schemeClr val="accent1"/>
-              </a:effectRef>
-              <a:fontRef idx="minor">
-                <a:schemeClr val="lt1"/>
-              </a:fontRef>
-            </p:style>
-            <p:txBody>
-              <a:bodyPr rtlCol="0" anchor="ctr"/>
-              <a:lstStyle/>
-              <a:p>
-                <a:pPr algn="ctr"/>
-                <a:r>
-                  <a:rPr lang="en-US" dirty="0" smtClean="0">
-                    <a:solidFill>
-                      <a:schemeClr val="tx1"/>
-                    </a:solidFill>
-                  </a:rPr>
-                  <a:t>LSTM</a:t>
-                </a:r>
-                <a:endParaRPr lang="en-US" dirty="0">
-                  <a:solidFill>
-                    <a:schemeClr val="tx1"/>
-                  </a:solidFill>
-                </a:endParaRPr>
-              </a:p>
-            </p:txBody>
-          </p:sp>
-          <p:sp>
-            <p:nvSpPr>
-              <p:cNvPr id="9" name="Rectangle 8"/>
-              <p:cNvSpPr/>
-              <p:nvPr/>
-            </p:nvSpPr>
-            <p:spPr>
-              <a:xfrm>
-                <a:off x="8551572" y="3283349"/>
-                <a:ext cx="953036" cy="360796"/>
-              </a:xfrm>
-              <a:prstGeom prst="rect">
-                <a:avLst/>
-              </a:prstGeom>
-              <a:grpFill/>
-            </p:spPr>
-            <p:style>
-              <a:lnRef idx="2">
-                <a:schemeClr val="accent1">
-                  <a:shade val="50000"/>
-                </a:schemeClr>
-              </a:lnRef>
-              <a:fillRef idx="1">
-                <a:schemeClr val="accent1"/>
-              </a:fillRef>
-              <a:effectRef idx="0">
-                <a:schemeClr val="accent1"/>
-              </a:effectRef>
-              <a:fontRef idx="minor">
-                <a:schemeClr val="lt1"/>
-              </a:fontRef>
-            </p:style>
-            <p:txBody>
-              <a:bodyPr rtlCol="0" anchor="ctr"/>
-              <a:lstStyle/>
-              <a:p>
-                <a:pPr algn="ctr"/>
-                <a:r>
-                  <a:rPr lang="en-US" dirty="0" smtClean="0">
-                    <a:solidFill>
-                      <a:schemeClr val="tx1"/>
-                    </a:solidFill>
-                  </a:rPr>
-                  <a:t>LSTM</a:t>
-                </a:r>
-              </a:p>
-            </p:txBody>
-          </p:sp>
-          <p:sp>
-            <p:nvSpPr>
-              <p:cNvPr id="10" name="Rectangle 9"/>
-              <p:cNvSpPr/>
-              <p:nvPr/>
-            </p:nvSpPr>
-            <p:spPr>
-              <a:xfrm>
-                <a:off x="8551572" y="3793019"/>
-                <a:ext cx="953036" cy="360796"/>
-              </a:xfrm>
-              <a:prstGeom prst="rect">
-                <a:avLst/>
-              </a:prstGeom>
-              <a:grpFill/>
-            </p:spPr>
-            <p:style>
-              <a:lnRef idx="2">
-                <a:schemeClr val="accent1">
-                  <a:shade val="50000"/>
-                </a:schemeClr>
-              </a:lnRef>
-              <a:fillRef idx="1">
-                <a:schemeClr val="accent1"/>
-              </a:fillRef>
-              <a:effectRef idx="0">
-                <a:schemeClr val="accent1"/>
-              </a:effectRef>
-              <a:fontRef idx="minor">
-                <a:schemeClr val="lt1"/>
-              </a:fontRef>
-            </p:style>
-            <p:txBody>
-              <a:bodyPr rtlCol="0" anchor="ctr"/>
-              <a:lstStyle/>
-              <a:p>
-                <a:pPr algn="ctr"/>
-                <a:r>
-                  <a:rPr lang="en-US" dirty="0" smtClean="0">
-                    <a:solidFill>
-                      <a:schemeClr val="tx1"/>
-                    </a:solidFill>
-                  </a:rPr>
-                  <a:t>LSTM</a:t>
-                </a:r>
-                <a:endParaRPr lang="en-US" dirty="0">
-                  <a:solidFill>
-                    <a:schemeClr val="tx1"/>
-                  </a:solidFill>
-                </a:endParaRPr>
-              </a:p>
-            </p:txBody>
-          </p:sp>
-          <p:sp>
-            <p:nvSpPr>
-              <p:cNvPr id="11" name="Rectangle 10"/>
-              <p:cNvSpPr/>
-              <p:nvPr/>
-            </p:nvSpPr>
-            <p:spPr>
-              <a:xfrm>
-                <a:off x="8551572" y="4302689"/>
-                <a:ext cx="953036" cy="360796"/>
-              </a:xfrm>
-              <a:prstGeom prst="rect">
-                <a:avLst/>
-              </a:prstGeom>
-              <a:grpFill/>
-            </p:spPr>
-            <p:style>
-              <a:lnRef idx="2">
-                <a:schemeClr val="accent1">
-                  <a:shade val="50000"/>
-                </a:schemeClr>
-              </a:lnRef>
-              <a:fillRef idx="1">
-                <a:schemeClr val="accent1"/>
-              </a:fillRef>
-              <a:effectRef idx="0">
-                <a:schemeClr val="accent1"/>
-              </a:effectRef>
-              <a:fontRef idx="minor">
-                <a:schemeClr val="lt1"/>
-              </a:fontRef>
-            </p:style>
-            <p:txBody>
-              <a:bodyPr rtlCol="0" anchor="ctr"/>
-              <a:lstStyle/>
-              <a:p>
-                <a:pPr algn="ctr"/>
-                <a:r>
-                  <a:rPr lang="en-US" dirty="0" smtClean="0">
-                    <a:solidFill>
-                      <a:schemeClr val="tx1"/>
-                    </a:solidFill>
-                  </a:rPr>
-                  <a:t>LSTM</a:t>
-                </a:r>
-                <a:endParaRPr lang="en-US" dirty="0">
-                  <a:solidFill>
-                    <a:schemeClr val="tx1"/>
-                  </a:solidFill>
-                </a:endParaRPr>
-              </a:p>
-            </p:txBody>
-          </p:sp>
-        </p:grpSp>
-        <p:sp>
-          <p:nvSpPr>
-            <p:cNvPr id="13" name="Oval 12"/>
-            <p:cNvSpPr/>
-            <p:nvPr/>
-          </p:nvSpPr>
-          <p:spPr>
-            <a:xfrm>
-              <a:off x="9472407" y="3412713"/>
-              <a:ext cx="1326524" cy="1314122"/>
-            </a:xfrm>
-            <a:prstGeom prst="ellipse">
-              <a:avLst/>
-            </a:prstGeom>
-            <a:solidFill>
-              <a:srgbClr val="92D050"/>
-            </a:solidFill>
-          </p:spPr>
-          <p:style>
-            <a:lnRef idx="2">
-              <a:schemeClr val="accent1">
-                <a:shade val="50000"/>
-              </a:schemeClr>
-            </a:lnRef>
-            <a:fillRef idx="1">
-              <a:schemeClr val="accent1"/>
-            </a:fillRef>
-            <a:effectRef idx="0">
-              <a:schemeClr val="accent1"/>
-            </a:effectRef>
-            <a:fontRef idx="minor">
-              <a:schemeClr val="lt1"/>
-            </a:fontRef>
-          </p:style>
-          <p:txBody>
-            <a:bodyPr rtlCol="0" anchor="ctr"/>
-            <a:lstStyle/>
-            <a:p>
-              <a:pPr algn="ctr"/>
-              <a:r>
-                <a:rPr lang="en-US" dirty="0" smtClean="0">
-                  <a:solidFill>
-                    <a:schemeClr val="tx1"/>
-                  </a:solidFill>
-                </a:rPr>
-                <a:t>Output</a:t>
-              </a:r>
-              <a:endParaRPr lang="en-US" dirty="0">
-                <a:solidFill>
-                  <a:schemeClr val="tx1"/>
-                </a:solidFill>
-              </a:endParaRPr>
-            </a:p>
-          </p:txBody>
-        </p:sp>
-        <p:sp>
-          <p:nvSpPr>
-            <p:cNvPr id="14" name="Right Arrow 13"/>
-            <p:cNvSpPr/>
-            <p:nvPr/>
-          </p:nvSpPr>
-          <p:spPr>
-            <a:xfrm>
-              <a:off x="2847946" y="3852637"/>
-              <a:ext cx="365758" cy="476518"/>
-            </a:xfrm>
-            <a:prstGeom prst="rightArrow">
-              <a:avLst/>
-            </a:prstGeom>
-            <a:solidFill>
-              <a:srgbClr val="92D050"/>
-            </a:solidFill>
-          </p:spPr>
-          <p:style>
-            <a:lnRef idx="2">
-              <a:schemeClr val="accent1">
-                <a:shade val="50000"/>
-              </a:schemeClr>
-            </a:lnRef>
-            <a:fillRef idx="1">
-              <a:schemeClr val="accent1"/>
-            </a:fillRef>
-            <a:effectRef idx="0">
-              <a:schemeClr val="accent1"/>
-            </a:effectRef>
-            <a:fontRef idx="minor">
-              <a:schemeClr val="lt1"/>
-            </a:fontRef>
-          </p:style>
-          <p:txBody>
-            <a:bodyPr rtlCol="0" anchor="ctr"/>
-            <a:lstStyle/>
-            <a:p>
-              <a:pPr algn="ctr"/>
-              <a:endParaRPr lang="en-US"/>
-            </a:p>
-          </p:txBody>
-        </p:sp>
-        <p:sp>
-          <p:nvSpPr>
-            <p:cNvPr id="15" name="Right Arrow 14"/>
-            <p:cNvSpPr/>
-            <p:nvPr/>
-          </p:nvSpPr>
-          <p:spPr>
-            <a:xfrm>
-              <a:off x="4909861" y="3856933"/>
-              <a:ext cx="365758" cy="476518"/>
-            </a:xfrm>
-            <a:prstGeom prst="rightArrow">
-              <a:avLst/>
-            </a:prstGeom>
-            <a:solidFill>
-              <a:srgbClr val="92D050"/>
-            </a:solidFill>
-          </p:spPr>
-          <p:style>
-            <a:lnRef idx="2">
-              <a:schemeClr val="accent1">
-                <a:shade val="50000"/>
-              </a:schemeClr>
-            </a:lnRef>
-            <a:fillRef idx="1">
-              <a:schemeClr val="accent1"/>
-            </a:fillRef>
-            <a:effectRef idx="0">
-              <a:schemeClr val="accent1"/>
-            </a:effectRef>
-            <a:fontRef idx="minor">
-              <a:schemeClr val="lt1"/>
-            </a:fontRef>
-          </p:style>
-          <p:txBody>
-            <a:bodyPr rtlCol="0" anchor="ctr"/>
-            <a:lstStyle/>
-            <a:p>
-              <a:pPr algn="ctr"/>
-              <a:endParaRPr lang="en-US" dirty="0"/>
-            </a:p>
-          </p:txBody>
-        </p:sp>
-        <p:sp>
-          <p:nvSpPr>
-            <p:cNvPr id="16" name="Right Arrow 15"/>
-            <p:cNvSpPr/>
-            <p:nvPr/>
-          </p:nvSpPr>
-          <p:spPr>
-            <a:xfrm>
-              <a:off x="7191134" y="3852637"/>
-              <a:ext cx="365758" cy="476518"/>
-            </a:xfrm>
-            <a:prstGeom prst="rightArrow">
-              <a:avLst/>
-            </a:prstGeom>
-            <a:solidFill>
-              <a:srgbClr val="92D050"/>
-            </a:solidFill>
-          </p:spPr>
-          <p:style>
-            <a:lnRef idx="2">
-              <a:schemeClr val="accent1">
-                <a:shade val="50000"/>
-              </a:schemeClr>
-            </a:lnRef>
-            <a:fillRef idx="1">
-              <a:schemeClr val="accent1"/>
-            </a:fillRef>
-            <a:effectRef idx="0">
-              <a:schemeClr val="accent1"/>
-            </a:effectRef>
-            <a:fontRef idx="minor">
-              <a:schemeClr val="lt1"/>
-            </a:fontRef>
-          </p:style>
-          <p:txBody>
-            <a:bodyPr rtlCol="0" anchor="ctr"/>
-            <a:lstStyle/>
-            <a:p>
-              <a:pPr algn="ctr"/>
-              <a:endParaRPr lang="en-US" dirty="0"/>
-            </a:p>
-          </p:txBody>
-        </p:sp>
-        <p:sp>
-          <p:nvSpPr>
-            <p:cNvPr id="17" name="Right Arrow 16"/>
-            <p:cNvSpPr/>
-            <p:nvPr/>
-          </p:nvSpPr>
-          <p:spPr>
-            <a:xfrm>
-              <a:off x="8896722" y="3852637"/>
-              <a:ext cx="365758" cy="476518"/>
-            </a:xfrm>
-            <a:prstGeom prst="rightArrow">
-              <a:avLst/>
-            </a:prstGeom>
-            <a:solidFill>
-              <a:srgbClr val="92D050"/>
-            </a:solidFill>
-          </p:spPr>
-          <p:style>
-            <a:lnRef idx="2">
-              <a:schemeClr val="accent1">
-                <a:shade val="50000"/>
-              </a:schemeClr>
-            </a:lnRef>
-            <a:fillRef idx="1">
-              <a:schemeClr val="accent1"/>
-            </a:fillRef>
-            <a:effectRef idx="0">
-              <a:schemeClr val="accent1"/>
-            </a:effectRef>
-            <a:fontRef idx="minor">
-              <a:schemeClr val="lt1"/>
-            </a:fontRef>
-          </p:style>
-          <p:txBody>
-            <a:bodyPr rtlCol="0" anchor="ctr"/>
-            <a:lstStyle/>
-            <a:p>
-              <a:pPr algn="ctr"/>
-              <a:endParaRPr lang="en-US" dirty="0"/>
-            </a:p>
-          </p:txBody>
-        </p:sp>
-        <p:sp>
-          <p:nvSpPr>
-            <p:cNvPr id="19" name="Hexagon 18"/>
-            <p:cNvSpPr/>
-            <p:nvPr/>
-          </p:nvSpPr>
-          <p:spPr>
-            <a:xfrm>
-              <a:off x="9610851" y="2356833"/>
-              <a:ext cx="1049635" cy="476041"/>
-            </a:xfrm>
-            <a:prstGeom prst="hexagon">
-              <a:avLst/>
-            </a:prstGeom>
-            <a:solidFill>
-              <a:srgbClr val="92D050"/>
-            </a:solidFill>
-          </p:spPr>
-          <p:style>
-            <a:lnRef idx="2">
-              <a:schemeClr val="accent1">
-                <a:shade val="50000"/>
-              </a:schemeClr>
-            </a:lnRef>
-            <a:fillRef idx="1">
-              <a:schemeClr val="accent1"/>
-            </a:fillRef>
-            <a:effectRef idx="0">
-              <a:schemeClr val="accent1"/>
-            </a:effectRef>
-            <a:fontRef idx="minor">
-              <a:schemeClr val="lt1"/>
-            </a:fontRef>
-          </p:style>
-          <p:txBody>
-            <a:bodyPr rtlCol="0" anchor="ctr"/>
-            <a:lstStyle/>
-            <a:p>
-              <a:pPr algn="ctr"/>
-              <a:r>
-                <a:rPr lang="en-US" dirty="0" smtClean="0">
-                  <a:solidFill>
-                    <a:schemeClr val="tx1"/>
-                  </a:solidFill>
-                </a:rPr>
-                <a:t>Seed</a:t>
-              </a:r>
-              <a:endParaRPr lang="en-US" dirty="0">
-                <a:solidFill>
-                  <a:schemeClr val="tx1"/>
-                </a:solidFill>
-              </a:endParaRPr>
-            </a:p>
-          </p:txBody>
-        </p:sp>
-        <p:sp>
-          <p:nvSpPr>
-            <p:cNvPr id="20" name="Flowchart: Document 19"/>
-            <p:cNvSpPr/>
-            <p:nvPr/>
-          </p:nvSpPr>
-          <p:spPr>
-            <a:xfrm>
-              <a:off x="9472407" y="5268037"/>
-              <a:ext cx="1339403" cy="888642"/>
-            </a:xfrm>
-            <a:prstGeom prst="flowChartDocument">
-              <a:avLst/>
-            </a:prstGeom>
-            <a:solidFill>
-              <a:srgbClr val="92D050"/>
-            </a:solidFill>
-          </p:spPr>
-          <p:style>
-            <a:lnRef idx="2">
-              <a:schemeClr val="accent1">
-                <a:shade val="50000"/>
-              </a:schemeClr>
-            </a:lnRef>
-            <a:fillRef idx="1">
-              <a:schemeClr val="accent1"/>
-            </a:fillRef>
-            <a:effectRef idx="0">
-              <a:schemeClr val="accent1"/>
-            </a:effectRef>
-            <a:fontRef idx="minor">
-              <a:schemeClr val="lt1"/>
-            </a:fontRef>
-          </p:style>
-          <p:txBody>
-            <a:bodyPr rtlCol="0" anchor="ctr"/>
-            <a:lstStyle/>
-            <a:p>
-              <a:pPr algn="ctr"/>
-              <a:r>
-                <a:rPr lang="en-US" dirty="0" smtClean="0">
-                  <a:solidFill>
-                    <a:schemeClr val="tx1"/>
-                  </a:solidFill>
-                </a:rPr>
-                <a:t>Generated Document</a:t>
-              </a:r>
-              <a:endParaRPr lang="en-US" dirty="0">
-                <a:solidFill>
-                  <a:schemeClr val="tx1"/>
-                </a:solidFill>
-              </a:endParaRPr>
-            </a:p>
-          </p:txBody>
-        </p:sp>
-        <p:sp>
-          <p:nvSpPr>
-            <p:cNvPr id="21" name="Down Arrow 20"/>
-            <p:cNvSpPr/>
-            <p:nvPr/>
-          </p:nvSpPr>
-          <p:spPr>
-            <a:xfrm>
-              <a:off x="9821423" y="2974925"/>
-              <a:ext cx="628489" cy="296501"/>
-            </a:xfrm>
-            <a:prstGeom prst="downArrow">
-              <a:avLst/>
-            </a:prstGeom>
-            <a:solidFill>
-              <a:srgbClr val="92D050"/>
-            </a:solidFill>
-          </p:spPr>
-          <p:style>
-            <a:lnRef idx="2">
-              <a:schemeClr val="accent1">
-                <a:shade val="50000"/>
-              </a:schemeClr>
-            </a:lnRef>
-            <a:fillRef idx="1">
-              <a:schemeClr val="accent1"/>
-            </a:fillRef>
-            <a:effectRef idx="0">
-              <a:schemeClr val="accent1"/>
-            </a:effectRef>
-            <a:fontRef idx="minor">
-              <a:schemeClr val="lt1"/>
-            </a:fontRef>
-          </p:style>
-          <p:txBody>
-            <a:bodyPr rtlCol="0" anchor="ctr"/>
-            <a:lstStyle/>
-            <a:p>
-              <a:pPr algn="ctr"/>
-              <a:endParaRPr lang="en-US"/>
-            </a:p>
-          </p:txBody>
-        </p:sp>
-        <p:sp>
-          <p:nvSpPr>
-            <p:cNvPr id="22" name="Down Arrow 21"/>
-            <p:cNvSpPr/>
-            <p:nvPr/>
-          </p:nvSpPr>
-          <p:spPr>
-            <a:xfrm>
-              <a:off x="9821422" y="4830341"/>
-              <a:ext cx="628489" cy="296501"/>
-            </a:xfrm>
-            <a:prstGeom prst="downArrow">
-              <a:avLst/>
-            </a:prstGeom>
-            <a:solidFill>
-              <a:srgbClr val="92D050"/>
-            </a:solidFill>
-          </p:spPr>
-          <p:style>
-            <a:lnRef idx="2">
-              <a:schemeClr val="accent1">
-                <a:shade val="50000"/>
-              </a:schemeClr>
-            </a:lnRef>
-            <a:fillRef idx="1">
-              <a:schemeClr val="accent1"/>
-            </a:fillRef>
-            <a:effectRef idx="0">
-              <a:schemeClr val="accent1"/>
-            </a:effectRef>
-            <a:fontRef idx="minor">
-              <a:schemeClr val="lt1"/>
-            </a:fontRef>
-          </p:style>
-          <p:txBody>
-            <a:bodyPr rtlCol="0" anchor="ctr"/>
-            <a:lstStyle/>
-            <a:p>
-              <a:pPr algn="ctr"/>
-              <a:endParaRPr lang="en-US"/>
-            </a:p>
-          </p:txBody>
-        </p:sp>
-      </p:grpSp>
-      <p:sp>
-        <p:nvSpPr>
-          <p:cNvPr id="4" name="TextBox 3"/>
-          <p:cNvSpPr txBox="1"/>
-          <p:nvPr/>
-        </p:nvSpPr>
-        <p:spPr>
-          <a:xfrm>
-            <a:off x="579968" y="2241823"/>
-            <a:ext cx="2291699" cy="646331"/>
-          </a:xfrm>
-          <a:prstGeom prst="rect">
-            <a:avLst/>
-          </a:prstGeom>
-          <a:noFill/>
-        </p:spPr>
-        <p:txBody>
-          <a:bodyPr wrap="square" rtlCol="0">
-            <a:spAutoFit/>
-          </a:bodyPr>
-          <a:lstStyle/>
-          <a:p>
-            <a:r>
-              <a:rPr lang="en-US" dirty="0">
-                <a:solidFill>
-                  <a:srgbClr val="0070C0"/>
-                </a:solidFill>
-              </a:rPr>
-              <a:t>5</a:t>
-            </a:r>
-            <a:r>
-              <a:rPr lang="en-US" dirty="0" smtClean="0">
-                <a:solidFill>
-                  <a:srgbClr val="0070C0"/>
-                </a:solidFill>
-              </a:rPr>
-              <a:t>00 Article Corpus</a:t>
-            </a:r>
-          </a:p>
-          <a:p>
-            <a:r>
-              <a:rPr lang="en-US" dirty="0" smtClean="0">
-                <a:solidFill>
-                  <a:srgbClr val="0070C0"/>
-                </a:solidFill>
-              </a:rPr>
-              <a:t>~40 Articles Gathered</a:t>
-            </a:r>
-            <a:endParaRPr lang="en-US" dirty="0">
-              <a:solidFill>
-                <a:srgbClr val="0070C0"/>
-              </a:solidFill>
-            </a:endParaRPr>
-          </a:p>
-        </p:txBody>
-      </p:sp>
-      <p:sp>
-        <p:nvSpPr>
-          <p:cNvPr id="23" name="TextBox 22"/>
-          <p:cNvSpPr txBox="1"/>
-          <p:nvPr/>
-        </p:nvSpPr>
-        <p:spPr>
-          <a:xfrm>
-            <a:off x="3104226" y="2265433"/>
-            <a:ext cx="1691439" cy="646331"/>
-          </a:xfrm>
-          <a:prstGeom prst="rect">
-            <a:avLst/>
-          </a:prstGeom>
-          <a:noFill/>
-        </p:spPr>
-        <p:txBody>
-          <a:bodyPr wrap="square" rtlCol="0">
-            <a:spAutoFit/>
-          </a:bodyPr>
-          <a:lstStyle/>
-          <a:p>
-            <a:r>
-              <a:rPr lang="en-US" dirty="0" smtClean="0">
-                <a:solidFill>
-                  <a:srgbClr val="0070C0"/>
-                </a:solidFill>
-              </a:rPr>
-              <a:t>Cleanup Code – </a:t>
-            </a:r>
-          </a:p>
-          <a:p>
-            <a:r>
-              <a:rPr lang="en-US" dirty="0" smtClean="0">
-                <a:solidFill>
-                  <a:srgbClr val="0070C0"/>
-                </a:solidFill>
-              </a:rPr>
-              <a:t>Done</a:t>
-            </a:r>
-            <a:endParaRPr lang="en-US" dirty="0">
-              <a:solidFill>
-                <a:srgbClr val="0070C0"/>
-              </a:solidFill>
-            </a:endParaRPr>
-          </a:p>
-        </p:txBody>
-      </p:sp>
-      <p:sp>
-        <p:nvSpPr>
-          <p:cNvPr id="25" name="TextBox 24"/>
-          <p:cNvSpPr txBox="1"/>
-          <p:nvPr/>
-        </p:nvSpPr>
-        <p:spPr>
-          <a:xfrm>
-            <a:off x="5365973" y="2159990"/>
-            <a:ext cx="2237919" cy="923330"/>
-          </a:xfrm>
-          <a:prstGeom prst="rect">
-            <a:avLst/>
-          </a:prstGeom>
-          <a:noFill/>
-        </p:spPr>
-        <p:txBody>
-          <a:bodyPr wrap="square" rtlCol="0">
-            <a:spAutoFit/>
-          </a:bodyPr>
-          <a:lstStyle/>
-          <a:p>
-            <a:r>
-              <a:rPr lang="en-US" dirty="0" smtClean="0"/>
-              <a:t>Try: </a:t>
-            </a:r>
-            <a:r>
-              <a:rPr lang="en-US" strike="sngStrike" dirty="0" smtClean="0"/>
-              <a:t>Bag of Words</a:t>
-            </a:r>
-            <a:r>
-              <a:rPr lang="en-US" dirty="0" smtClean="0"/>
-              <a:t>, </a:t>
-            </a:r>
-            <a:r>
-              <a:rPr lang="en-US" dirty="0" smtClean="0">
-                <a:solidFill>
-                  <a:srgbClr val="0070C0"/>
-                </a:solidFill>
-              </a:rPr>
-              <a:t>Word2Vec trying</a:t>
-            </a:r>
-            <a:r>
-              <a:rPr lang="en-US" dirty="0" smtClean="0"/>
-              <a:t>, </a:t>
-            </a:r>
-            <a:r>
-              <a:rPr lang="en-US" dirty="0" smtClean="0"/>
-              <a:t>Glove, etc.</a:t>
-            </a:r>
-            <a:endParaRPr lang="en-US" dirty="0"/>
-          </a:p>
-        </p:txBody>
-      </p:sp>
-      <p:sp>
-        <p:nvSpPr>
-          <p:cNvPr id="18" name="TextBox 17"/>
-          <p:cNvSpPr txBox="1"/>
-          <p:nvPr/>
-        </p:nvSpPr>
-        <p:spPr>
-          <a:xfrm>
-            <a:off x="7759198" y="2001917"/>
-            <a:ext cx="1159735" cy="646331"/>
-          </a:xfrm>
-          <a:prstGeom prst="rect">
-            <a:avLst/>
-          </a:prstGeom>
-          <a:noFill/>
-        </p:spPr>
-        <p:txBody>
-          <a:bodyPr wrap="square" rtlCol="0">
-            <a:spAutoFit/>
-          </a:bodyPr>
-          <a:lstStyle/>
-          <a:p>
-            <a:r>
-              <a:rPr lang="en-US" dirty="0" smtClean="0"/>
-              <a:t>Try some variations</a:t>
-            </a:r>
-            <a:endParaRPr lang="en-US" dirty="0"/>
-          </a:p>
-        </p:txBody>
-      </p:sp>
+      <p:graphicFrame>
+        <p:nvGraphicFramePr>
+          <p:cNvPr id="18" name="Table 17"/>
+          <p:cNvGraphicFramePr>
+            <a:graphicFrameLocks noGrp="1"/>
+          </p:cNvGraphicFramePr>
+          <p:nvPr>
+            <p:extLst>
+              <p:ext uri="{D42A27DB-BD31-4B8C-83A1-F6EECF244321}">
+                <p14:modId xmlns:p14="http://schemas.microsoft.com/office/powerpoint/2010/main" val="1123710799"/>
+              </p:ext>
+            </p:extLst>
+          </p:nvPr>
+        </p:nvGraphicFramePr>
+        <p:xfrm>
+          <a:off x="1249250" y="1924532"/>
+          <a:ext cx="9906430" cy="3361040"/>
+        </p:xfrm>
+        <a:graphic>
+          <a:graphicData uri="http://schemas.openxmlformats.org/drawingml/2006/table">
+            <a:tbl>
+              <a:tblPr firstRow="1" bandRow="1">
+                <a:tableStyleId>{5C22544A-7EE6-4342-B048-85BDC9FD1C3A}</a:tableStyleId>
+              </a:tblPr>
+              <a:tblGrid>
+                <a:gridCol w="756937"/>
+                <a:gridCol w="4583468"/>
+                <a:gridCol w="4566025"/>
+              </a:tblGrid>
+              <a:tr h="0">
+                <a:tc>
+                  <a:txBody>
+                    <a:bodyPr/>
+                    <a:lstStyle/>
+                    <a:p>
+                      <a:endParaRPr lang="en-US" dirty="0"/>
+                    </a:p>
+                  </a:txBody>
+                  <a:tcPr/>
+                </a:tc>
+                <a:tc>
+                  <a:txBody>
+                    <a:bodyPr/>
+                    <a:lstStyle/>
+                    <a:p>
+                      <a:pPr algn="ctr"/>
+                      <a:r>
+                        <a:rPr lang="en-US" dirty="0" smtClean="0"/>
+                        <a:t>Current Work</a:t>
+                      </a:r>
+                      <a:endParaRPr lang="en-US" dirty="0"/>
+                    </a:p>
+                  </a:txBody>
+                  <a:tcPr/>
+                </a:tc>
+                <a:tc>
+                  <a:txBody>
+                    <a:bodyPr/>
+                    <a:lstStyle/>
+                    <a:p>
+                      <a:pPr algn="ctr"/>
+                      <a:r>
+                        <a:rPr lang="en-US" dirty="0" smtClean="0"/>
+                        <a:t>Future Target</a:t>
+                      </a:r>
+                      <a:endParaRPr lang="en-US" dirty="0"/>
+                    </a:p>
+                  </a:txBody>
+                  <a:tcPr/>
+                </a:tc>
+              </a:tr>
+              <a:tr h="836862">
+                <a:tc>
+                  <a:txBody>
+                    <a:bodyPr/>
+                    <a:lstStyle/>
+                    <a:p>
+                      <a:r>
+                        <a:rPr lang="en-US" dirty="0" smtClean="0"/>
+                        <a:t>1.</a:t>
+                      </a:r>
+                      <a:endParaRPr lang="en-US" dirty="0"/>
+                    </a:p>
+                  </a:txBody>
+                  <a:tcPr/>
+                </a:tc>
+                <a:tc>
+                  <a:txBody>
+                    <a:bodyPr/>
+                    <a:lstStyle/>
+                    <a:p>
+                      <a:r>
+                        <a:rPr lang="en-US" dirty="0" smtClean="0"/>
+                        <a:t>Corpus: Currently contains 12,514 words</a:t>
+                      </a:r>
+                      <a:endParaRPr lang="en-US" dirty="0"/>
+                    </a:p>
+                  </a:txBody>
+                  <a:tcPr/>
+                </a:tc>
+                <a:tc>
+                  <a:txBody>
+                    <a:bodyPr/>
+                    <a:lstStyle/>
+                    <a:p>
+                      <a:r>
+                        <a:rPr lang="en-US" dirty="0" smtClean="0"/>
+                        <a:t>Want to</a:t>
+                      </a:r>
+                      <a:r>
+                        <a:rPr lang="en-US" baseline="0" dirty="0" smtClean="0"/>
+                        <a:t> train a corpus of at least 1 Million words</a:t>
+                      </a:r>
+                      <a:endParaRPr lang="en-US" dirty="0"/>
+                    </a:p>
+                  </a:txBody>
+                  <a:tcPr/>
+                </a:tc>
+              </a:tr>
+              <a:tr h="484849">
+                <a:tc>
+                  <a:txBody>
+                    <a:bodyPr/>
+                    <a:lstStyle/>
+                    <a:p>
+                      <a:r>
+                        <a:rPr lang="en-US" dirty="0" smtClean="0"/>
+                        <a:t>2.</a:t>
+                      </a:r>
+                      <a:endParaRPr lang="en-US" dirty="0"/>
+                    </a:p>
+                  </a:txBody>
+                  <a:tcPr/>
+                </a:tc>
+                <a:tc>
+                  <a:txBody>
+                    <a:bodyPr/>
+                    <a:lstStyle/>
+                    <a:p>
+                      <a:r>
+                        <a:rPr lang="en-US" dirty="0" smtClean="0"/>
+                        <a:t>Small</a:t>
+                      </a:r>
+                      <a:r>
+                        <a:rPr lang="en-US" baseline="0" dirty="0" smtClean="0"/>
+                        <a:t> Corpus: p</a:t>
+                      </a:r>
+                      <a:r>
+                        <a:rPr lang="en-US" dirty="0" smtClean="0"/>
+                        <a:t>oor Word2Vec mapping</a:t>
+                      </a:r>
+                    </a:p>
+                    <a:p>
+                      <a:r>
+                        <a:rPr lang="en-US" dirty="0" smtClean="0"/>
+                        <a:t>Used dimension size:</a:t>
+                      </a:r>
+                      <a:r>
+                        <a:rPr lang="en-US" baseline="0" dirty="0" smtClean="0"/>
+                        <a:t> 500 (3.3k unique words)</a:t>
+                      </a:r>
+                    </a:p>
+                    <a:p>
+                      <a:r>
+                        <a:rPr lang="en-US" baseline="0" dirty="0" smtClean="0"/>
+                        <a:t>High dimension resulted in over fitting</a:t>
+                      </a:r>
+                    </a:p>
+                    <a:p>
+                      <a:r>
+                        <a:rPr lang="en-US" baseline="0" dirty="0" smtClean="0"/>
+                        <a:t>Low dimension results in low accuracy</a:t>
+                      </a:r>
+                      <a:endParaRPr lang="en-US" dirty="0"/>
+                    </a:p>
+                  </a:txBody>
+                  <a:tcPr/>
+                </a:tc>
+                <a:tc>
+                  <a:txBody>
+                    <a:bodyPr/>
+                    <a:lstStyle/>
+                    <a:p>
+                      <a:r>
+                        <a:rPr lang="en-US" baseline="0" dirty="0" smtClean="0"/>
+                        <a:t>Have to collect bigger corpus to increase accuracy and generalization without over fitting the training data</a:t>
+                      </a:r>
+                      <a:endParaRPr lang="en-US" dirty="0"/>
+                    </a:p>
+                  </a:txBody>
+                  <a:tcPr/>
+                </a:tc>
+              </a:tr>
+              <a:tr h="484849">
+                <a:tc>
+                  <a:txBody>
+                    <a:bodyPr/>
+                    <a:lstStyle/>
+                    <a:p>
+                      <a:r>
+                        <a:rPr lang="en-US" dirty="0" smtClean="0"/>
+                        <a:t>3.</a:t>
+                      </a:r>
+                      <a:endParaRPr lang="en-US" dirty="0"/>
+                    </a:p>
+                  </a:txBody>
+                  <a:tcPr/>
+                </a:tc>
+                <a:tc>
+                  <a:txBody>
+                    <a:bodyPr/>
+                    <a:lstStyle/>
+                    <a:p>
+                      <a:endParaRPr lang="en-US" dirty="0"/>
+                    </a:p>
+                  </a:txBody>
+                  <a:tcPr/>
+                </a:tc>
+                <a:tc>
+                  <a:txBody>
+                    <a:bodyPr/>
+                    <a:lstStyle/>
+                    <a:p>
+                      <a:endParaRPr lang="en-US" dirty="0"/>
+                    </a:p>
+                  </a:txBody>
+                  <a:tcPr/>
+                </a:tc>
+              </a:tr>
+              <a:tr h="484849">
+                <a:tc>
+                  <a:txBody>
+                    <a:bodyPr/>
+                    <a:lstStyle/>
+                    <a:p>
+                      <a:r>
+                        <a:rPr lang="en-US" dirty="0" smtClean="0"/>
+                        <a:t>4.</a:t>
+                      </a:r>
+                      <a:endParaRPr lang="en-US" dirty="0"/>
+                    </a:p>
+                  </a:txBody>
+                  <a:tcPr/>
+                </a:tc>
+                <a:tc>
+                  <a:txBody>
+                    <a:bodyPr/>
+                    <a:lstStyle/>
+                    <a:p>
+                      <a:r>
+                        <a:rPr lang="en-US" dirty="0" smtClean="0"/>
+                        <a:t>Testing</a:t>
+                      </a:r>
+                      <a:r>
+                        <a:rPr lang="en-US" baseline="0" dirty="0" smtClean="0"/>
+                        <a:t> done with human eye</a:t>
+                      </a:r>
+                      <a:endParaRPr lang="en-US" dirty="0"/>
+                    </a:p>
+                  </a:txBody>
+                  <a:tcPr/>
+                </a:tc>
+                <a:tc>
+                  <a:txBody>
+                    <a:bodyPr/>
+                    <a:lstStyle/>
+                    <a:p>
+                      <a:r>
+                        <a:rPr lang="en-US" smtClean="0"/>
+                        <a:t>Will </a:t>
+                      </a:r>
+                      <a:r>
+                        <a:rPr lang="en-US" dirty="0" smtClean="0"/>
+                        <a:t>try K-fold cross validation</a:t>
+                      </a:r>
+                      <a:endParaRPr lang="en-US" dirty="0"/>
+                    </a:p>
+                  </a:txBody>
+                  <a:tcPr/>
+                </a:tc>
+              </a:tr>
+            </a:tbl>
+          </a:graphicData>
+        </a:graphic>
+      </p:graphicFrame>
     </p:spTree>
     <p:extLst>
       <p:ext uri="{BB962C8B-B14F-4D97-AF65-F5344CB8AC3E}">
-        <p14:creationId xmlns:p14="http://schemas.microsoft.com/office/powerpoint/2010/main" val="95228558"/>
+        <p14:creationId xmlns:p14="http://schemas.microsoft.com/office/powerpoint/2010/main" val="1275144618"/>
       </p:ext>
     </p:extLst>
   </p:cSld>
